--- a/Presentation/presentation_final.pptx
+++ b/Presentation/presentation_final.pptx
@@ -16685,7 +16685,7 @@
                                 </a:solidFill>
                                 <a:latin typeface="Cambria Math" panose="02040503050406030204" pitchFamily="18" charset="0"/>
                               </a:rPr>
-                              <m:t>&gt;5</m:t>
+                              <m:t>&gt;50</m:t>
                             </m:r>
                             <m:r>
                               <a:rPr lang="en-US" i="1">
@@ -16723,7 +16723,7 @@
                                 </a:solidFill>
                                 <a:latin typeface="Cambria Math" panose="02040503050406030204" pitchFamily="18" charset="0"/>
                               </a:rPr>
-                              <m:t>≤5</m:t>
+                              <m:t>≤50</m:t>
                             </m:r>
                             <m:r>
                               <a:rPr lang="en-US" i="1">
@@ -22181,7 +22181,7 @@
                 <a:latin typeface="Arial" panose="020B0604020202020204" pitchFamily="34" charset="0"/>
                 <a:cs typeface="Arial" panose="020B0604020202020204" pitchFamily="34" charset="0"/>
               </a:rPr>
-              <a:t>By looking at the value 30 </a:t>
+              <a:t>By looking at the value of 30 </a:t>
             </a:r>
             <a:r>
               <a:rPr lang="en-US" sz="2200" dirty="0" err="1">
@@ -22201,7 +22201,27 @@
                 <a:latin typeface="Arial" panose="020B0604020202020204" pitchFamily="34" charset="0"/>
                 <a:cs typeface="Arial" panose="020B0604020202020204" pitchFamily="34" charset="0"/>
               </a:rPr>
-              <a:t>-sets, we can have a prediction of a patients risk, which is pretty convenient. </a:t>
+              <a:t>-sets, we can predict the risk of </a:t>
+            </a:r>
+            <a:r>
+              <a:rPr lang="en-US" sz="2200">
+                <a:solidFill>
+                  <a:srgbClr val="006600"/>
+                </a:solidFill>
+                <a:latin typeface="Arial" panose="020B0604020202020204" pitchFamily="34" charset="0"/>
+                <a:cs typeface="Arial" panose="020B0604020202020204" pitchFamily="34" charset="0"/>
+              </a:rPr>
+              <a:t>a patient, </a:t>
+            </a:r>
+            <a:r>
+              <a:rPr lang="en-US" sz="2200" dirty="0">
+                <a:solidFill>
+                  <a:srgbClr val="006600"/>
+                </a:solidFill>
+                <a:latin typeface="Arial" panose="020B0604020202020204" pitchFamily="34" charset="0"/>
+                <a:cs typeface="Arial" panose="020B0604020202020204" pitchFamily="34" charset="0"/>
+              </a:rPr>
+              <a:t>which is pretty convenient. </a:t>
             </a:r>
           </a:p>
           <a:p>
@@ -22539,12 +22559,8 @@
           </a:bodyPr>
           <a:lstStyle/>
           <a:p>
-            <a:pPr marL="342900" indent="-342900">
-              <a:buFont typeface="Arial"/>
-              <a:buChar char="•"/>
-            </a:pPr>
-            <a:r>
-              <a:rPr lang="en-US" sz="2200" b="1" dirty="0">
+            <a:r>
+              <a:rPr lang="en-US" sz="2200" dirty="0">
                 <a:solidFill>
                   <a:srgbClr val="006600"/>
                 </a:solidFill>
@@ -22567,10 +22583,6 @@
             </a:r>
           </a:p>
           <a:p>
-            <a:pPr marL="342900" indent="-342900">
-              <a:buFont typeface="Arial"/>
-              <a:buChar char="•"/>
-            </a:pPr>
             <a:r>
               <a:rPr lang="en-US" sz="2200" dirty="0">
                 <a:solidFill>
@@ -22579,54 +22591,44 @@
                 <a:latin typeface="Arial" panose="020B0604020202020204" pitchFamily="34" charset="0"/>
                 <a:cs typeface="Arial" panose="020B0604020202020204" pitchFamily="34" charset="0"/>
               </a:rPr>
-              <a:t> </a:t>
-            </a:r>
-            <a:r>
-              <a:rPr lang="en-US" sz="2200" b="1" dirty="0">
+              <a:t>2. Discussion about other machine learning methods </a:t>
+            </a:r>
+          </a:p>
+          <a:p>
+            <a:r>
+              <a:rPr lang="en-US" sz="2200" dirty="0">
                 <a:solidFill>
                   <a:srgbClr val="006600"/>
                 </a:solidFill>
                 <a:latin typeface="Arial" panose="020B0604020202020204" pitchFamily="34" charset="0"/>
                 <a:cs typeface="Arial" panose="020B0604020202020204" pitchFamily="34" charset="0"/>
               </a:rPr>
-              <a:t>2. Discussion about other machine learning methods </a:t>
-            </a:r>
-          </a:p>
-          <a:p>
-            <a:r>
-              <a:rPr lang="en-US" sz="2200" b="1" dirty="0">
+              <a:t>    We tried Boosting, which is a tree based machine learning method for classification and regression. Boosting has three main tuning parameters: the splits in each tree (d), the total number of trees (B), and the learning speed of boosting. </a:t>
+            </a:r>
+          </a:p>
+          <a:p>
+            <a:r>
+              <a:rPr lang="en-US" sz="2200" dirty="0">
                 <a:solidFill>
                   <a:srgbClr val="006600"/>
                 </a:solidFill>
                 <a:latin typeface="Arial" panose="020B0604020202020204" pitchFamily="34" charset="0"/>
                 <a:cs typeface="Arial" panose="020B0604020202020204" pitchFamily="34" charset="0"/>
               </a:rPr>
-              <a:t>    We tried Boosting, which is a tree based machine learning method for classification and regression. Boosting has three main tuning parameters: the splits in each tree (d), the total number of trees (B), and the learning speed of boosting. </a:t>
-            </a:r>
-          </a:p>
-          <a:p>
-            <a:r>
-              <a:rPr lang="en-US" sz="2200" b="1" dirty="0">
+              <a:t>After tuned the parameter, the overall </a:t>
+            </a:r>
+            <a:r>
+              <a:rPr lang="en-US" sz="2200" dirty="0" err="1">
                 <a:solidFill>
                   <a:srgbClr val="006600"/>
                 </a:solidFill>
                 <a:latin typeface="Arial" panose="020B0604020202020204" pitchFamily="34" charset="0"/>
                 <a:cs typeface="Arial" panose="020B0604020202020204" pitchFamily="34" charset="0"/>
               </a:rPr>
-              <a:t>After tuned the parameter, the overall </a:t>
-            </a:r>
-            <a:r>
-              <a:rPr lang="en-US" sz="2200" b="1" dirty="0" err="1">
-                <a:solidFill>
-                  <a:srgbClr val="006600"/>
-                </a:solidFill>
-                <a:latin typeface="Arial" panose="020B0604020202020204" pitchFamily="34" charset="0"/>
-                <a:cs typeface="Arial" panose="020B0604020202020204" pitchFamily="34" charset="0"/>
-              </a:rPr>
               <a:t>misprediction</a:t>
             </a:r>
             <a:r>
-              <a:rPr lang="en-US" sz="2200" b="1" dirty="0">
+              <a:rPr lang="en-US" sz="2200" dirty="0">
                 <a:solidFill>
                   <a:srgbClr val="006600"/>
                 </a:solidFill>
